--- a/プレゼン/RapidCart20200106.pptx
+++ b/プレゼン/RapidCart20200106.pptx
@@ -6796,20 +6796,25 @@
             <p:ph type="title"/>
           </p:nvPr>
         </p:nvSpPr>
-        <p:spPr/>
+        <p:spPr>
+          <a:xfrm>
+            <a:off x="1097280" y="286604"/>
+            <a:ext cx="10058400" cy="1395240"/>
+          </a:xfrm>
+        </p:spPr>
         <p:txBody>
           <a:bodyPr/>
           <a:lstStyle/>
           <a:p>
             <a:r>
-              <a:rPr kumimoji="1" lang="ja-JP" altLang="en-US" smtClean="0"/>
+              <a:rPr kumimoji="1" lang="ja-JP" altLang="en-US" dirty="0" smtClean="0"/>
               <a:t>今週の</a:t>
             </a:r>
             <a:r>
-              <a:rPr lang="ja-JP" altLang="en-US" smtClean="0"/>
+              <a:rPr lang="ja-JP" altLang="en-US" dirty="0" smtClean="0"/>
               <a:t>進捗</a:t>
             </a:r>
-            <a:endParaRPr kumimoji="1" lang="ja-JP" altLang="en-US"/>
+            <a:endParaRPr kumimoji="1" lang="ja-JP" altLang="en-US" dirty="0"/>
           </a:p>
         </p:txBody>
       </p:sp>
@@ -6831,7 +6836,7 @@
         </p:spPr>
         <p:txBody>
           <a:bodyPr>
-            <a:normAutofit/>
+            <a:normAutofit lnSpcReduction="10000"/>
           </a:bodyPr>
           <a:lstStyle/>
           <a:p>
@@ -6840,8 +6845,8 @@
               <a:buChar char="l"/>
             </a:pPr>
             <a:r>
-              <a:rPr lang="ja-JP" altLang="en-US" sz="4400" dirty="0" smtClean="0"/>
-              <a:t>単体テスト項目を作成</a:t>
+              <a:rPr kumimoji="1" lang="ja-JP" altLang="en-US" sz="4400" dirty="0" smtClean="0"/>
+              <a:t>サーバ側の軽微なバグ修正</a:t>
             </a:r>
             <a:endParaRPr kumimoji="1" lang="en-US" altLang="ja-JP" sz="4400" dirty="0" smtClean="0"/>
           </a:p>
@@ -6852,7 +6857,23 @@
             </a:pPr>
             <a:r>
               <a:rPr lang="ja-JP" altLang="en-US" sz="4400" dirty="0" smtClean="0"/>
-              <a:t>距離センサと重量センサで発生していたバグ修正</a:t>
+              <a:t>距離センサと重量センサで発生して</a:t>
+            </a:r>
+            <a:r>
+              <a:rPr lang="ja-JP" altLang="en-US" sz="4400" dirty="0" smtClean="0"/>
+              <a:t>いた</a:t>
+            </a:r>
+            <a:r>
+              <a:rPr lang="ja-JP" altLang="en-US" sz="4400" dirty="0"/>
+              <a:t>問題</a:t>
+            </a:r>
+            <a:r>
+              <a:rPr lang="ja-JP" altLang="en-US" sz="4400" dirty="0" smtClean="0"/>
+              <a:t>の</a:t>
+            </a:r>
+            <a:r>
+              <a:rPr lang="ja-JP" altLang="en-US" sz="4400" dirty="0"/>
+              <a:t>特定</a:t>
             </a:r>
             <a:endParaRPr lang="en-US" altLang="ja-JP" sz="4400" dirty="0" smtClean="0"/>
           </a:p>
@@ -6863,15 +6884,30 @@
             </a:pPr>
             <a:r>
               <a:rPr lang="ja-JP" altLang="en-US" sz="4400" dirty="0" smtClean="0"/>
-              <a:t>サーバ</a:t>
-            </a:r>
-            <a:r>
-              <a:rPr lang="ja-JP" altLang="en-US" sz="4400" dirty="0"/>
-              <a:t>側</a:t>
+              <a:t>サーバ側の受信の成否に対応した</a:t>
+            </a:r>
+            <a:r>
+              <a:rPr lang="en-US" altLang="ja-JP" sz="4400" dirty="0" smtClean="0"/>
+              <a:t>LED</a:t>
             </a:r>
             <a:r>
               <a:rPr lang="ja-JP" altLang="en-US" sz="4400" dirty="0" smtClean="0"/>
-              <a:t>とクライアント側の結合テストを行って発生したバグ修正</a:t>
+              <a:t>の実装</a:t>
+            </a:r>
+            <a:endParaRPr lang="en-US" altLang="ja-JP" sz="4400" dirty="0" smtClean="0"/>
+          </a:p>
+          <a:p>
+            <a:pPr>
+              <a:buFont typeface="Wingdings" panose="05000000000000000000" pitchFamily="2" charset="2"/>
+              <a:buChar char="l"/>
+            </a:pPr>
+            <a:r>
+              <a:rPr lang="en-US" altLang="ja-JP" sz="4400" dirty="0" smtClean="0"/>
+              <a:t>LED</a:t>
+            </a:r>
+            <a:r>
+              <a:rPr lang="ja-JP" altLang="en-US" sz="4400" dirty="0" smtClean="0"/>
+              <a:t>と距離センサの基盤へはんだ付</a:t>
             </a:r>
             <a:endParaRPr lang="en-US" altLang="ja-JP" sz="4400" dirty="0" smtClean="0"/>
           </a:p>
@@ -6973,14 +7009,14 @@
           <p:nvPr>
             <p:extLst>
               <p:ext uri="{D42A27DB-BD31-4B8C-83A1-F6EECF244321}">
-                <p14:modId xmlns:p14="http://schemas.microsoft.com/office/powerpoint/2010/main" val="3953197241"/>
+                <p14:modId xmlns:p14="http://schemas.microsoft.com/office/powerpoint/2010/main" val="1795927658"/>
               </p:ext>
             </p:extLst>
           </p:nvPr>
         </p:nvGraphicFramePr>
         <p:xfrm>
           <a:off x="1097280" y="1944306"/>
-          <a:ext cx="9812458" cy="3894168"/>
+          <a:ext cx="9812458" cy="3534210"/>
         </p:xfrm>
         <a:graphic>
           <a:graphicData uri="http://schemas.openxmlformats.org/drawingml/2006/table">
@@ -7164,14 +7200,18 @@
                     <a:p>
                       <a:pPr algn="ctr"/>
                       <a:r>
-                        <a:rPr kumimoji="1" lang="en-US" altLang="ja-JP" sz="3200" dirty="0" err="1" smtClean="0"/>
+                        <a:rPr kumimoji="1" lang="en-US" altLang="ja-JP" sz="3200" strike="sngStrike" dirty="0" err="1" smtClean="0"/>
                         <a:t>pyzbar</a:t>
                       </a:r>
                       <a:r>
-                        <a:rPr kumimoji="1" lang="ja-JP" altLang="en-US" sz="3200" dirty="0" smtClean="0"/>
-                        <a:t>に画像を投げて番号取得</a:t>
+                        <a:rPr kumimoji="1" lang="ja-JP" altLang="en-US" sz="3200" strike="sngStrike" dirty="0" err="1" smtClean="0"/>
+                        <a:t>の識</a:t>
                       </a:r>
-                      <a:endParaRPr kumimoji="1" lang="ja-JP" altLang="en-US" sz="3200" dirty="0"/>
+                      <a:r>
+                        <a:rPr kumimoji="1" lang="ja-JP" altLang="en-US" sz="3200" strike="sngStrike" dirty="0" smtClean="0"/>
+                        <a:t>別精度</a:t>
+                      </a:r>
+                      <a:endParaRPr kumimoji="1" lang="ja-JP" altLang="en-US" sz="3200" strike="sngStrike" dirty="0"/>
                     </a:p>
                   </a:txBody>
                   <a:tcPr anchor="ctr" anchorCtr="1"/>
@@ -7183,10 +7223,10 @@
                     <a:p>
                       <a:pPr algn="ctr"/>
                       <a:r>
-                        <a:rPr kumimoji="1" lang="ja-JP" altLang="en-US" sz="3200" dirty="0" smtClean="0"/>
-                        <a:t>△（精度が悪い）</a:t>
+                        <a:rPr kumimoji="1" lang="en-US" altLang="ja-JP" sz="3200" strike="sngStrike" dirty="0" smtClean="0"/>
+                        <a:t>×</a:t>
                       </a:r>
-                      <a:endParaRPr kumimoji="1" lang="ja-JP" altLang="en-US" sz="3200" dirty="0"/>
+                      <a:endParaRPr kumimoji="1" lang="ja-JP" altLang="en-US" sz="3200" strike="sngStrike" dirty="0"/>
                     </a:p>
                   </a:txBody>
                   <a:tcPr anchor="ctr" anchorCtr="1"/>
@@ -7298,7 +7338,7 @@
             <p:ph idx="1"/>
             <p:extLst>
               <p:ext uri="{D42A27DB-BD31-4B8C-83A1-F6EECF244321}">
-                <p14:modId xmlns:p14="http://schemas.microsoft.com/office/powerpoint/2010/main" val="3000485916"/>
+                <p14:modId xmlns:p14="http://schemas.microsoft.com/office/powerpoint/2010/main" val="3002692264"/>
               </p:ext>
             </p:extLst>
           </p:nvPr>
@@ -7572,10 +7612,10 @@
                     <a:p>
                       <a:pPr algn="l"/>
                       <a:r>
-                        <a:rPr kumimoji="1" lang="en-US" altLang="ja-JP" sz="3200" smtClean="0"/>
-                        <a:t>×</a:t>
+                        <a:rPr kumimoji="1" lang="ja-JP" altLang="en-US" sz="3200" dirty="0" smtClean="0"/>
+                        <a:t>〇</a:t>
                       </a:r>
-                      <a:endParaRPr kumimoji="1" lang="ja-JP" altLang="en-US" sz="3200"/>
+                      <a:endParaRPr lang="ja-JP" altLang="en-US" sz="3200" dirty="0"/>
                     </a:p>
                   </a:txBody>
                   <a:tcPr anchor="ctr" anchorCtr="1"/>
@@ -7709,12 +7749,16 @@
               <a:buChar char="l"/>
             </a:pPr>
             <a:r>
-              <a:rPr kumimoji="1" lang="ja-JP" altLang="en-US" sz="4000" smtClean="0"/>
-              <a:t>単体テスト</a:t>
-            </a:r>
-            <a:r>
               <a:rPr kumimoji="1" lang="ja-JP" altLang="en-US" sz="4000" dirty="0" smtClean="0"/>
-              <a:t>項目に基づいたテスト</a:t>
+              <a:t>結合</a:t>
+            </a:r>
+            <a:r>
+              <a:rPr kumimoji="1" lang="en-US" altLang="ja-JP" sz="4000" dirty="0" smtClean="0"/>
+              <a:t>&amp;</a:t>
+            </a:r>
+            <a:r>
+              <a:rPr kumimoji="1" lang="ja-JP" altLang="en-US" sz="4000" dirty="0" smtClean="0"/>
+              <a:t>総合テストを行う</a:t>
             </a:r>
             <a:endParaRPr kumimoji="1" lang="en-US" altLang="ja-JP" sz="4000" dirty="0" smtClean="0"/>
           </a:p>
@@ -7724,10 +7768,10 @@
               <a:buChar char="l"/>
             </a:pPr>
             <a:r>
-              <a:rPr lang="ja-JP" altLang="en-US" sz="4000" dirty="0" smtClean="0"/>
-              <a:t>結合テストを行いつつバグ修正</a:t>
-            </a:r>
-            <a:endParaRPr lang="en-US" altLang="ja-JP" sz="4000" dirty="0" smtClean="0"/>
+              <a:rPr lang="ja-JP" altLang="en-US" sz="4000" smtClean="0"/>
+              <a:t>距離センサと重量センサの判定プログラムの見直し</a:t>
+            </a:r>
+            <a:endParaRPr kumimoji="1" lang="en-US" altLang="ja-JP" sz="4000" dirty="0" smtClean="0"/>
           </a:p>
           <a:p>
             <a:pPr lvl="1">
@@ -7735,8 +7779,12 @@
               <a:buChar char="l"/>
             </a:pPr>
             <a:r>
-              <a:rPr kumimoji="1" lang="ja-JP" altLang="en-US" sz="4000" dirty="0" smtClean="0"/>
-              <a:t>クライアント側でデータ取得結果を通知する機能の追加</a:t>
+              <a:rPr lang="ja-JP" altLang="en-US" sz="4000" dirty="0"/>
+              <a:t>卒論</a:t>
+            </a:r>
+            <a:r>
+              <a:rPr lang="ja-JP" altLang="en-US" sz="4000" dirty="0" smtClean="0"/>
+              <a:t>もぼちぼち書き出す</a:t>
             </a:r>
             <a:endParaRPr kumimoji="1" lang="en-US" altLang="ja-JP" sz="4000" dirty="0" smtClean="0"/>
           </a:p>
